--- a/Kinaxis/sql/data_insight.pptx
+++ b/Kinaxis/sql/data_insight.pptx
@@ -5,10 +5,9 @@
     <p:sldMasterId id="2147483648" r:id="rId1"/>
   </p:sldMasterIdLst>
   <p:sldIdLst>
-    <p:sldId id="256" r:id="rId2"/>
-    <p:sldId id="257" r:id="rId3"/>
-    <p:sldId id="258" r:id="rId4"/>
-    <p:sldId id="259" r:id="rId5"/>
+    <p:sldId id="257" r:id="rId2"/>
+    <p:sldId id="258" r:id="rId3"/>
+    <p:sldId id="259" r:id="rId4"/>
   </p:sldIdLst>
   <p:sldSz cx="12192000" cy="6858000"/>
   <p:notesSz cx="6858000" cy="9144000"/>
@@ -3329,15 +3328,15 @@
           <p:cNvPr id="2" name="Title 1">
             <a:extLst>
               <a:ext uri="{FF2B5EF4-FFF2-40B4-BE49-F238E27FC236}">
-                <a16:creationId xmlns:a16="http://schemas.microsoft.com/office/drawing/2014/main" id="{2D107158-7D4B-304B-A795-933DD79BBF69}"/>
-              </a:ext>
-            </a:extLst>
-          </p:cNvPr>
-          <p:cNvSpPr>
-            <a:spLocks noGrp="1"/>
-          </p:cNvSpPr>
-          <p:nvPr>
-            <p:ph type="ctrTitle"/>
+                <a16:creationId xmlns:a16="http://schemas.microsoft.com/office/drawing/2014/main" id="{ED17F461-28FE-DB45-94B9-3D7D6D1D52EB}"/>
+              </a:ext>
+            </a:extLst>
+          </p:cNvPr>
+          <p:cNvSpPr>
+            <a:spLocks noGrp="1"/>
+          </p:cNvSpPr>
+          <p:nvPr>
+            <p:ph type="title"/>
           </p:nvPr>
         </p:nvSpPr>
         <p:spPr/>
@@ -3345,39 +3344,261 @@
           <a:bodyPr/>
           <a:lstStyle/>
           <a:p>
-            <a:endParaRPr lang="en-US"/>
-          </a:p>
-        </p:txBody>
-      </p:sp>
-      <p:sp>
-        <p:nvSpPr>
-          <p:cNvPr id="3" name="Subtitle 2">
-            <a:extLst>
-              <a:ext uri="{FF2B5EF4-FFF2-40B4-BE49-F238E27FC236}">
-                <a16:creationId xmlns:a16="http://schemas.microsoft.com/office/drawing/2014/main" id="{F01EA56F-5AF1-4045-8181-8441D3055A93}"/>
-              </a:ext>
-            </a:extLst>
-          </p:cNvPr>
-          <p:cNvSpPr>
-            <a:spLocks noGrp="1"/>
-          </p:cNvSpPr>
-          <p:nvPr>
-            <p:ph type="subTitle" idx="1"/>
-          </p:nvPr>
-        </p:nvSpPr>
-        <p:spPr/>
-        <p:txBody>
-          <a:bodyPr/>
-          <a:lstStyle/>
-          <a:p>
-            <a:endParaRPr lang="en-US"/>
-          </a:p>
-        </p:txBody>
-      </p:sp>
+            <a:pPr algn="ctr"/>
+            <a:r>
+              <a:rPr lang="en-US" b="1" dirty="0">
+                <a:solidFill>
+                  <a:schemeClr val="accent1">
+                    <a:lumMod val="50000"/>
+                  </a:schemeClr>
+                </a:solidFill>
+              </a:rPr>
+              <a:t>Customer Insights</a:t>
+            </a:r>
+          </a:p>
+        </p:txBody>
+      </p:sp>
+      <p:sp>
+        <p:nvSpPr>
+          <p:cNvPr id="4" name="TextBox 3">
+            <a:extLst>
+              <a:ext uri="{FF2B5EF4-FFF2-40B4-BE49-F238E27FC236}">
+                <a16:creationId xmlns:a16="http://schemas.microsoft.com/office/drawing/2014/main" id="{B46C1E95-8F97-434B-991B-A61D0DECFE57}"/>
+              </a:ext>
+            </a:extLst>
+          </p:cNvPr>
+          <p:cNvSpPr txBox="1"/>
+          <p:nvPr/>
+        </p:nvSpPr>
+        <p:spPr>
+          <a:xfrm>
+            <a:off x="838200" y="1814780"/>
+            <a:ext cx="3531918" cy="369332"/>
+          </a:xfrm>
+          <a:prstGeom prst="rect">
+            <a:avLst/>
+          </a:prstGeom>
+          <a:solidFill>
+            <a:schemeClr val="accent1">
+              <a:lumMod val="50000"/>
+            </a:schemeClr>
+          </a:solidFill>
+        </p:spPr>
+        <p:txBody>
+          <a:bodyPr wrap="square" rtlCol="0">
+            <a:spAutoFit/>
+          </a:bodyPr>
+          <a:lstStyle/>
+          <a:p>
+            <a:pPr algn="ctr"/>
+            <a:r>
+              <a:rPr lang="en-US" b="1" dirty="0">
+                <a:solidFill>
+                  <a:schemeClr val="bg1"/>
+                </a:solidFill>
+              </a:rPr>
+              <a:t>Top 5 Customers by Revenue</a:t>
+            </a:r>
+          </a:p>
+        </p:txBody>
+      </p:sp>
+      <p:sp>
+        <p:nvSpPr>
+          <p:cNvPr id="5" name="TextBox 4">
+            <a:extLst>
+              <a:ext uri="{FF2B5EF4-FFF2-40B4-BE49-F238E27FC236}">
+                <a16:creationId xmlns:a16="http://schemas.microsoft.com/office/drawing/2014/main" id="{1458A052-92F4-6C41-95B0-6F76E3D48655}"/>
+              </a:ext>
+            </a:extLst>
+          </p:cNvPr>
+          <p:cNvSpPr txBox="1"/>
+          <p:nvPr/>
+        </p:nvSpPr>
+        <p:spPr>
+          <a:xfrm>
+            <a:off x="838200" y="4028086"/>
+            <a:ext cx="3531918" cy="369332"/>
+          </a:xfrm>
+          <a:prstGeom prst="rect">
+            <a:avLst/>
+          </a:prstGeom>
+          <a:solidFill>
+            <a:schemeClr val="accent1">
+              <a:lumMod val="50000"/>
+            </a:schemeClr>
+          </a:solidFill>
+        </p:spPr>
+        <p:txBody>
+          <a:bodyPr wrap="square" rtlCol="0">
+            <a:spAutoFit/>
+          </a:bodyPr>
+          <a:lstStyle/>
+          <a:p>
+            <a:pPr algn="ctr"/>
+            <a:r>
+              <a:rPr lang="en-US" b="1" dirty="0">
+                <a:solidFill>
+                  <a:schemeClr val="bg1"/>
+                </a:solidFill>
+              </a:rPr>
+              <a:t>Bottom 5 Customers by Revenue</a:t>
+            </a:r>
+          </a:p>
+        </p:txBody>
+      </p:sp>
+      <p:sp>
+        <p:nvSpPr>
+          <p:cNvPr id="6" name="TextBox 5">
+            <a:extLst>
+              <a:ext uri="{FF2B5EF4-FFF2-40B4-BE49-F238E27FC236}">
+                <a16:creationId xmlns:a16="http://schemas.microsoft.com/office/drawing/2014/main" id="{6F33928C-AF8C-274A-A3DE-62B0EFB609A7}"/>
+              </a:ext>
+            </a:extLst>
+          </p:cNvPr>
+          <p:cNvSpPr txBox="1"/>
+          <p:nvPr/>
+        </p:nvSpPr>
+        <p:spPr>
+          <a:xfrm>
+            <a:off x="7213600" y="1765134"/>
+            <a:ext cx="4008582" cy="369332"/>
+          </a:xfrm>
+          <a:prstGeom prst="rect">
+            <a:avLst/>
+          </a:prstGeom>
+          <a:solidFill>
+            <a:schemeClr val="accent1">
+              <a:lumMod val="50000"/>
+            </a:schemeClr>
+          </a:solidFill>
+        </p:spPr>
+        <p:txBody>
+          <a:bodyPr wrap="square" rtlCol="0">
+            <a:spAutoFit/>
+          </a:bodyPr>
+          <a:lstStyle/>
+          <a:p>
+            <a:pPr algn="ctr"/>
+            <a:r>
+              <a:rPr lang="en-US" b="1" dirty="0">
+                <a:solidFill>
+                  <a:schemeClr val="bg1"/>
+                </a:solidFill>
+              </a:rPr>
+              <a:t>Top 10 Customers based on RFM Model</a:t>
+            </a:r>
+          </a:p>
+        </p:txBody>
+      </p:sp>
+      <p:pic>
+        <p:nvPicPr>
+          <p:cNvPr id="8" name="Picture 7">
+            <a:extLst>
+              <a:ext uri="{FF2B5EF4-FFF2-40B4-BE49-F238E27FC236}">
+                <a16:creationId xmlns:a16="http://schemas.microsoft.com/office/drawing/2014/main" id="{EB6A4C6C-A3DE-9B49-BACF-9CF488485645}"/>
+              </a:ext>
+            </a:extLst>
+          </p:cNvPr>
+          <p:cNvPicPr>
+            <a:picLocks noChangeAspect="1"/>
+          </p:cNvPicPr>
+          <p:nvPr/>
+        </p:nvPicPr>
+        <p:blipFill>
+          <a:blip r:embed="rId2"/>
+          <a:stretch>
+            <a:fillRect/>
+          </a:stretch>
+        </p:blipFill>
+        <p:spPr>
+          <a:xfrm>
+            <a:off x="1753259" y="4724977"/>
+            <a:ext cx="1701800" cy="1231900"/>
+          </a:xfrm>
+          <a:prstGeom prst="rect">
+            <a:avLst/>
+          </a:prstGeom>
+          <a:ln>
+            <a:solidFill>
+              <a:schemeClr val="tx1"/>
+            </a:solidFill>
+          </a:ln>
+        </p:spPr>
+      </p:pic>
+      <p:pic>
+        <p:nvPicPr>
+          <p:cNvPr id="9" name="Picture 8">
+            <a:extLst>
+              <a:ext uri="{FF2B5EF4-FFF2-40B4-BE49-F238E27FC236}">
+                <a16:creationId xmlns:a16="http://schemas.microsoft.com/office/drawing/2014/main" id="{B88398E9-00CB-C544-8BBB-ED430CAB112E}"/>
+              </a:ext>
+            </a:extLst>
+          </p:cNvPr>
+          <p:cNvPicPr>
+            <a:picLocks noChangeAspect="1"/>
+          </p:cNvPicPr>
+          <p:nvPr/>
+        </p:nvPicPr>
+        <p:blipFill>
+          <a:blip r:embed="rId3"/>
+          <a:stretch>
+            <a:fillRect/>
+          </a:stretch>
+        </p:blipFill>
+        <p:spPr>
+          <a:xfrm>
+            <a:off x="1753259" y="2376487"/>
+            <a:ext cx="1701800" cy="1231900"/>
+          </a:xfrm>
+          <a:prstGeom prst="rect">
+            <a:avLst/>
+          </a:prstGeom>
+          <a:ln>
+            <a:solidFill>
+              <a:schemeClr val="tx1"/>
+            </a:solidFill>
+          </a:ln>
+        </p:spPr>
+      </p:pic>
+      <p:pic>
+        <p:nvPicPr>
+          <p:cNvPr id="10" name="Picture 9">
+            <a:extLst>
+              <a:ext uri="{FF2B5EF4-FFF2-40B4-BE49-F238E27FC236}">
+                <a16:creationId xmlns:a16="http://schemas.microsoft.com/office/drawing/2014/main" id="{9B81C145-13DB-1340-94BF-9855C26C1D0C}"/>
+              </a:ext>
+            </a:extLst>
+          </p:cNvPr>
+          <p:cNvPicPr>
+            <a:picLocks noChangeAspect="1"/>
+          </p:cNvPicPr>
+          <p:nvPr/>
+        </p:nvPicPr>
+        <p:blipFill>
+          <a:blip r:embed="rId4"/>
+          <a:stretch>
+            <a:fillRect/>
+          </a:stretch>
+        </p:blipFill>
+        <p:spPr>
+          <a:xfrm>
+            <a:off x="7213600" y="2484437"/>
+            <a:ext cx="4140200" cy="2239098"/>
+          </a:xfrm>
+          <a:prstGeom prst="rect">
+            <a:avLst/>
+          </a:prstGeom>
+          <a:ln>
+            <a:solidFill>
+              <a:schemeClr val="tx1"/>
+            </a:solidFill>
+          </a:ln>
+        </p:spPr>
+      </p:pic>
     </p:spTree>
     <p:extLst>
       <p:ext uri="{BB962C8B-B14F-4D97-AF65-F5344CB8AC3E}">
-        <p14:creationId xmlns:p14="http://schemas.microsoft.com/office/powerpoint/2010/main" val="1185527524"/>
+        <p14:creationId xmlns:p14="http://schemas.microsoft.com/office/powerpoint/2010/main" val="1355305758"/>
       </p:ext>
     </p:extLst>
   </p:cSld>
@@ -3409,7 +3630,7 @@
           <p:cNvPr id="2" name="Title 1">
             <a:extLst>
               <a:ext uri="{FF2B5EF4-FFF2-40B4-BE49-F238E27FC236}">
-                <a16:creationId xmlns:a16="http://schemas.microsoft.com/office/drawing/2014/main" id="{ED17F461-28FE-DB45-94B9-3D7D6D1D52EB}"/>
+                <a16:creationId xmlns:a16="http://schemas.microsoft.com/office/drawing/2014/main" id="{2F22B038-A3BD-B741-A206-A23B927A2CCD}"/>
               </a:ext>
             </a:extLst>
           </p:cNvPr>
@@ -3429,43 +3650,292 @@
             <a:r>
               <a:rPr lang="en-US" b="1" dirty="0">
                 <a:solidFill>
-                  <a:srgbClr val="C00000"/>
+                  <a:schemeClr val="accent1">
+                    <a:lumMod val="50000"/>
+                  </a:schemeClr>
                 </a:solidFill>
               </a:rPr>
-              <a:t>Customer Insights</a:t>
-            </a:r>
-          </a:p>
-        </p:txBody>
-      </p:sp>
-      <p:sp>
-        <p:nvSpPr>
-          <p:cNvPr id="3" name="Content Placeholder 2">
-            <a:extLst>
-              <a:ext uri="{FF2B5EF4-FFF2-40B4-BE49-F238E27FC236}">
-                <a16:creationId xmlns:a16="http://schemas.microsoft.com/office/drawing/2014/main" id="{D64B545C-4932-6D47-969F-B5B809C83632}"/>
-              </a:ext>
-            </a:extLst>
-          </p:cNvPr>
-          <p:cNvSpPr>
-            <a:spLocks noGrp="1"/>
-          </p:cNvSpPr>
-          <p:nvPr>
-            <p:ph idx="1"/>
-          </p:nvPr>
-        </p:nvSpPr>
-        <p:spPr/>
-        <p:txBody>
-          <a:bodyPr/>
-          <a:lstStyle/>
-          <a:p>
-            <a:endParaRPr lang="en-US"/>
+              <a:t>Brand &amp; Category Revenue Insights</a:t>
+            </a:r>
+          </a:p>
+        </p:txBody>
+      </p:sp>
+      <p:pic>
+        <p:nvPicPr>
+          <p:cNvPr id="11" name="Picture 10">
+            <a:extLst>
+              <a:ext uri="{FF2B5EF4-FFF2-40B4-BE49-F238E27FC236}">
+                <a16:creationId xmlns:a16="http://schemas.microsoft.com/office/drawing/2014/main" id="{5746B8D1-7946-FD49-BE0E-D18479B3B420}"/>
+              </a:ext>
+            </a:extLst>
+          </p:cNvPr>
+          <p:cNvPicPr>
+            <a:picLocks noChangeAspect="1"/>
+          </p:cNvPicPr>
+          <p:nvPr/>
+        </p:nvPicPr>
+        <p:blipFill>
+          <a:blip r:embed="rId2"/>
+          <a:stretch>
+            <a:fillRect/>
+          </a:stretch>
+        </p:blipFill>
+        <p:spPr>
+          <a:xfrm>
+            <a:off x="7044954" y="2439887"/>
+            <a:ext cx="3797300" cy="1231900"/>
+          </a:xfrm>
+          <a:prstGeom prst="rect">
+            <a:avLst/>
+          </a:prstGeom>
+          <a:ln>
+            <a:solidFill>
+              <a:schemeClr val="tx1"/>
+            </a:solidFill>
+          </a:ln>
+        </p:spPr>
+      </p:pic>
+      <p:pic>
+        <p:nvPicPr>
+          <p:cNvPr id="12" name="Picture 11">
+            <a:extLst>
+              <a:ext uri="{FF2B5EF4-FFF2-40B4-BE49-F238E27FC236}">
+                <a16:creationId xmlns:a16="http://schemas.microsoft.com/office/drawing/2014/main" id="{8A95DF33-BF22-7C4C-BF42-3173DA67136F}"/>
+              </a:ext>
+            </a:extLst>
+          </p:cNvPr>
+          <p:cNvPicPr>
+            <a:picLocks noChangeAspect="1"/>
+          </p:cNvPicPr>
+          <p:nvPr/>
+        </p:nvPicPr>
+        <p:blipFill>
+          <a:blip r:embed="rId3"/>
+          <a:stretch>
+            <a:fillRect/>
+          </a:stretch>
+        </p:blipFill>
+        <p:spPr>
+          <a:xfrm>
+            <a:off x="1243446" y="2439887"/>
+            <a:ext cx="2590800" cy="1231900"/>
+          </a:xfrm>
+          <a:prstGeom prst="rect">
+            <a:avLst/>
+          </a:prstGeom>
+          <a:ln>
+            <a:solidFill>
+              <a:schemeClr val="tx1"/>
+            </a:solidFill>
+          </a:ln>
+        </p:spPr>
+      </p:pic>
+      <p:pic>
+        <p:nvPicPr>
+          <p:cNvPr id="13" name="Picture 12">
+            <a:extLst>
+              <a:ext uri="{FF2B5EF4-FFF2-40B4-BE49-F238E27FC236}">
+                <a16:creationId xmlns:a16="http://schemas.microsoft.com/office/drawing/2014/main" id="{717152BE-5AEB-2640-AE7A-FFFB2EDBEEA7}"/>
+              </a:ext>
+            </a:extLst>
+          </p:cNvPr>
+          <p:cNvPicPr>
+            <a:picLocks noChangeAspect="1"/>
+          </p:cNvPicPr>
+          <p:nvPr/>
+        </p:nvPicPr>
+        <p:blipFill>
+          <a:blip r:embed="rId4"/>
+          <a:stretch>
+            <a:fillRect/>
+          </a:stretch>
+        </p:blipFill>
+        <p:spPr>
+          <a:xfrm>
+            <a:off x="1243445" y="4542693"/>
+            <a:ext cx="2590800" cy="1231900"/>
+          </a:xfrm>
+          <a:prstGeom prst="rect">
+            <a:avLst/>
+          </a:prstGeom>
+          <a:ln>
+            <a:solidFill>
+              <a:schemeClr val="tx1"/>
+            </a:solidFill>
+          </a:ln>
+        </p:spPr>
+      </p:pic>
+      <p:sp>
+        <p:nvSpPr>
+          <p:cNvPr id="14" name="TextBox 13">
+            <a:extLst>
+              <a:ext uri="{FF2B5EF4-FFF2-40B4-BE49-F238E27FC236}">
+                <a16:creationId xmlns:a16="http://schemas.microsoft.com/office/drawing/2014/main" id="{39F84558-A90C-DD41-A74F-E0C1E65EB036}"/>
+              </a:ext>
+            </a:extLst>
+          </p:cNvPr>
+          <p:cNvSpPr txBox="1"/>
+          <p:nvPr/>
+        </p:nvSpPr>
+        <p:spPr>
+          <a:xfrm>
+            <a:off x="7019308" y="3890170"/>
+            <a:ext cx="3797299" cy="523220"/>
+          </a:xfrm>
+          <a:prstGeom prst="rect">
+            <a:avLst/>
+          </a:prstGeom>
+          <a:noFill/>
+        </p:spPr>
+        <p:txBody>
+          <a:bodyPr wrap="square" rtlCol="0">
+            <a:spAutoFit/>
+          </a:bodyPr>
+          <a:lstStyle/>
+          <a:p>
+            <a:r>
+              <a:rPr lang="en-US" sz="1400" dirty="0"/>
+              <a:t>Women’s Category was 56% &amp; 46% of all Revenues &amp; Transactions respectively</a:t>
+            </a:r>
+          </a:p>
+        </p:txBody>
+      </p:sp>
+      <p:sp>
+        <p:nvSpPr>
+          <p:cNvPr id="17" name="TextBox 16">
+            <a:extLst>
+              <a:ext uri="{FF2B5EF4-FFF2-40B4-BE49-F238E27FC236}">
+                <a16:creationId xmlns:a16="http://schemas.microsoft.com/office/drawing/2014/main" id="{DA22D2D3-6E8A-024F-BFAB-B887E127D3D0}"/>
+              </a:ext>
+            </a:extLst>
+          </p:cNvPr>
+          <p:cNvSpPr txBox="1"/>
+          <p:nvPr/>
+        </p:nvSpPr>
+        <p:spPr>
+          <a:xfrm>
+            <a:off x="838201" y="1852551"/>
+            <a:ext cx="3531918" cy="369332"/>
+          </a:xfrm>
+          <a:prstGeom prst="rect">
+            <a:avLst/>
+          </a:prstGeom>
+          <a:solidFill>
+            <a:schemeClr val="accent1">
+              <a:lumMod val="50000"/>
+            </a:schemeClr>
+          </a:solidFill>
+        </p:spPr>
+        <p:txBody>
+          <a:bodyPr wrap="square" rtlCol="0">
+            <a:spAutoFit/>
+          </a:bodyPr>
+          <a:lstStyle/>
+          <a:p>
+            <a:pPr algn="ctr"/>
+            <a:r>
+              <a:rPr lang="en-US" b="1" dirty="0">
+                <a:solidFill>
+                  <a:schemeClr val="bg1"/>
+                </a:solidFill>
+              </a:rPr>
+              <a:t>Top 5 Brands</a:t>
+            </a:r>
+          </a:p>
+        </p:txBody>
+      </p:sp>
+      <p:sp>
+        <p:nvSpPr>
+          <p:cNvPr id="18" name="TextBox 17">
+            <a:extLst>
+              <a:ext uri="{FF2B5EF4-FFF2-40B4-BE49-F238E27FC236}">
+                <a16:creationId xmlns:a16="http://schemas.microsoft.com/office/drawing/2014/main" id="{C664D136-2CAF-C54B-9873-EBA63157CB94}"/>
+              </a:ext>
+            </a:extLst>
+          </p:cNvPr>
+          <p:cNvSpPr txBox="1"/>
+          <p:nvPr/>
+        </p:nvSpPr>
+        <p:spPr>
+          <a:xfrm>
+            <a:off x="838200" y="4011498"/>
+            <a:ext cx="3531918" cy="369332"/>
+          </a:xfrm>
+          <a:prstGeom prst="rect">
+            <a:avLst/>
+          </a:prstGeom>
+          <a:solidFill>
+            <a:schemeClr val="accent1">
+              <a:lumMod val="50000"/>
+            </a:schemeClr>
+          </a:solidFill>
+        </p:spPr>
+        <p:txBody>
+          <a:bodyPr wrap="square" rtlCol="0">
+            <a:spAutoFit/>
+          </a:bodyPr>
+          <a:lstStyle/>
+          <a:p>
+            <a:pPr algn="ctr"/>
+            <a:r>
+              <a:rPr lang="en-US" b="1" dirty="0">
+                <a:solidFill>
+                  <a:schemeClr val="bg1"/>
+                </a:solidFill>
+              </a:rPr>
+              <a:t>Bottom 5 Brands</a:t>
+            </a:r>
+          </a:p>
+        </p:txBody>
+      </p:sp>
+      <p:sp>
+        <p:nvSpPr>
+          <p:cNvPr id="19" name="TextBox 18">
+            <a:extLst>
+              <a:ext uri="{FF2B5EF4-FFF2-40B4-BE49-F238E27FC236}">
+                <a16:creationId xmlns:a16="http://schemas.microsoft.com/office/drawing/2014/main" id="{ED3275FC-37AC-EA4B-A755-BC5B89818B2F}"/>
+              </a:ext>
+            </a:extLst>
+          </p:cNvPr>
+          <p:cNvSpPr txBox="1"/>
+          <p:nvPr/>
+        </p:nvSpPr>
+        <p:spPr>
+          <a:xfrm>
+            <a:off x="7019308" y="1852172"/>
+            <a:ext cx="3822945" cy="369332"/>
+          </a:xfrm>
+          <a:prstGeom prst="rect">
+            <a:avLst/>
+          </a:prstGeom>
+          <a:solidFill>
+            <a:schemeClr val="accent1">
+              <a:lumMod val="50000"/>
+            </a:schemeClr>
+          </a:solidFill>
+        </p:spPr>
+        <p:txBody>
+          <a:bodyPr wrap="square" rtlCol="0">
+            <a:spAutoFit/>
+          </a:bodyPr>
+          <a:lstStyle/>
+          <a:p>
+            <a:pPr algn="ctr"/>
+            <a:r>
+              <a:rPr lang="en-US" b="1" dirty="0">
+                <a:solidFill>
+                  <a:schemeClr val="bg1"/>
+                </a:solidFill>
+              </a:rPr>
+              <a:t>Categories</a:t>
+            </a:r>
           </a:p>
         </p:txBody>
       </p:sp>
     </p:spTree>
     <p:extLst>
       <p:ext uri="{BB962C8B-B14F-4D97-AF65-F5344CB8AC3E}">
-        <p14:creationId xmlns:p14="http://schemas.microsoft.com/office/powerpoint/2010/main" val="1355305758"/>
+        <p14:creationId xmlns:p14="http://schemas.microsoft.com/office/powerpoint/2010/main" val="3658576290"/>
       </p:ext>
     </p:extLst>
   </p:cSld>
@@ -3497,7 +3967,7 @@
           <p:cNvPr id="2" name="Title 1">
             <a:extLst>
               <a:ext uri="{FF2B5EF4-FFF2-40B4-BE49-F238E27FC236}">
-                <a16:creationId xmlns:a16="http://schemas.microsoft.com/office/drawing/2014/main" id="{2F22B038-A3BD-B741-A206-A23B927A2CCD}"/>
+                <a16:creationId xmlns:a16="http://schemas.microsoft.com/office/drawing/2014/main" id="{2D8E0513-3382-6A43-94D0-693A968C4269}"/>
               </a:ext>
             </a:extLst>
           </p:cNvPr>
@@ -3517,98 +3987,240 @@
             <a:r>
               <a:rPr lang="en-US" b="1" dirty="0">
                 <a:solidFill>
-                  <a:srgbClr val="C00000"/>
+                  <a:schemeClr val="accent1">
+                    <a:lumMod val="50000"/>
+                  </a:schemeClr>
                 </a:solidFill>
               </a:rPr>
-              <a:t>Product Insights</a:t>
-            </a:r>
-          </a:p>
-        </p:txBody>
-      </p:sp>
-      <p:sp>
-        <p:nvSpPr>
-          <p:cNvPr id="3" name="Content Placeholder 2">
-            <a:extLst>
-              <a:ext uri="{FF2B5EF4-FFF2-40B4-BE49-F238E27FC236}">
-                <a16:creationId xmlns:a16="http://schemas.microsoft.com/office/drawing/2014/main" id="{866A9FB1-8C53-634E-84B0-93E3852CCCDF}"/>
-              </a:ext>
-            </a:extLst>
-          </p:cNvPr>
-          <p:cNvSpPr>
-            <a:spLocks noGrp="1"/>
-          </p:cNvSpPr>
-          <p:nvPr>
-            <p:ph idx="1"/>
-          </p:nvPr>
-        </p:nvSpPr>
-        <p:spPr/>
-        <p:txBody>
-          <a:bodyPr/>
-          <a:lstStyle/>
-          <a:p>
-            <a:endParaRPr lang="en-US"/>
-          </a:p>
-        </p:txBody>
-      </p:sp>
-    </p:spTree>
-    <p:extLst>
-      <p:ext uri="{BB962C8B-B14F-4D97-AF65-F5344CB8AC3E}">
-        <p14:creationId xmlns:p14="http://schemas.microsoft.com/office/powerpoint/2010/main" val="3658576290"/>
-      </p:ext>
-    </p:extLst>
-  </p:cSld>
-  <p:clrMapOvr>
-    <a:masterClrMapping/>
-  </p:clrMapOvr>
-</p:sld>
-</file>
-
-<file path=ppt/slides/slide4.xml><?xml version="1.0" encoding="utf-8"?>
-<p:sld xmlns:a="http://schemas.openxmlformats.org/drawingml/2006/main" xmlns:r="http://schemas.openxmlformats.org/officeDocument/2006/relationships" xmlns:p="http://schemas.openxmlformats.org/presentationml/2006/main">
-  <p:cSld>
-    <p:spTree>
-      <p:nvGrpSpPr>
-        <p:cNvPr id="1" name=""/>
-        <p:cNvGrpSpPr/>
-        <p:nvPr/>
-      </p:nvGrpSpPr>
-      <p:grpSpPr>
-        <a:xfrm>
-          <a:off x="0" y="0"/>
-          <a:ext cx="0" cy="0"/>
-          <a:chOff x="0" y="0"/>
-          <a:chExt cx="0" cy="0"/>
-        </a:xfrm>
-      </p:grpSpPr>
-      <p:sp>
-        <p:nvSpPr>
-          <p:cNvPr id="2" name="Title 1">
-            <a:extLst>
-              <a:ext uri="{FF2B5EF4-FFF2-40B4-BE49-F238E27FC236}">
-                <a16:creationId xmlns:a16="http://schemas.microsoft.com/office/drawing/2014/main" id="{2D8E0513-3382-6A43-94D0-693A968C4269}"/>
-              </a:ext>
-            </a:extLst>
-          </p:cNvPr>
-          <p:cNvSpPr>
-            <a:spLocks noGrp="1"/>
-          </p:cNvSpPr>
-          <p:nvPr>
-            <p:ph type="title"/>
-          </p:nvPr>
-        </p:nvSpPr>
-        <p:spPr/>
-        <p:txBody>
-          <a:bodyPr/>
+              <a:t>Date Revenue Insights</a:t>
+            </a:r>
+          </a:p>
+        </p:txBody>
+      </p:sp>
+      <p:sp>
+        <p:nvSpPr>
+          <p:cNvPr id="4" name="TextBox 3">
+            <a:extLst>
+              <a:ext uri="{FF2B5EF4-FFF2-40B4-BE49-F238E27FC236}">
+                <a16:creationId xmlns:a16="http://schemas.microsoft.com/office/drawing/2014/main" id="{E6D80C0E-B09A-3C4D-99FE-56D5EC59DFD3}"/>
+              </a:ext>
+            </a:extLst>
+          </p:cNvPr>
+          <p:cNvSpPr txBox="1"/>
+          <p:nvPr/>
+        </p:nvSpPr>
+        <p:spPr>
+          <a:xfrm>
+            <a:off x="838200" y="1695080"/>
+            <a:ext cx="5257800" cy="369332"/>
+          </a:xfrm>
+          <a:prstGeom prst="rect">
+            <a:avLst/>
+          </a:prstGeom>
+          <a:solidFill>
+            <a:schemeClr val="accent1">
+              <a:lumMod val="50000"/>
+            </a:schemeClr>
+          </a:solidFill>
+        </p:spPr>
+        <p:txBody>
+          <a:bodyPr wrap="square" rtlCol="0">
+            <a:spAutoFit/>
+          </a:bodyPr>
           <a:lstStyle/>
           <a:p>
             <a:pPr algn="ctr"/>
             <a:r>
               <a:rPr lang="en-US" b="1" dirty="0">
                 <a:solidFill>
-                  <a:srgbClr val="C00000"/>
+                  <a:schemeClr val="bg1"/>
                 </a:solidFill>
               </a:rPr>
-              <a:t>Sales Insights</a:t>
+              <a:t>Day of Week</a:t>
+            </a:r>
+          </a:p>
+        </p:txBody>
+      </p:sp>
+      <p:sp>
+        <p:nvSpPr>
+          <p:cNvPr id="6" name="TextBox 5">
+            <a:extLst>
+              <a:ext uri="{FF2B5EF4-FFF2-40B4-BE49-F238E27FC236}">
+                <a16:creationId xmlns:a16="http://schemas.microsoft.com/office/drawing/2014/main" id="{08D0C4BB-0EC3-3244-AD7D-1A53C6C9628F}"/>
+              </a:ext>
+            </a:extLst>
+          </p:cNvPr>
+          <p:cNvSpPr txBox="1"/>
+          <p:nvPr/>
+        </p:nvSpPr>
+        <p:spPr>
+          <a:xfrm>
+            <a:off x="6602681" y="1690688"/>
+            <a:ext cx="4751119" cy="369332"/>
+          </a:xfrm>
+          <a:prstGeom prst="rect">
+            <a:avLst/>
+          </a:prstGeom>
+          <a:solidFill>
+            <a:schemeClr val="accent1">
+              <a:lumMod val="50000"/>
+            </a:schemeClr>
+          </a:solidFill>
+        </p:spPr>
+        <p:txBody>
+          <a:bodyPr wrap="square" rtlCol="0">
+            <a:spAutoFit/>
+          </a:bodyPr>
+          <a:lstStyle/>
+          <a:p>
+            <a:pPr algn="ctr"/>
+            <a:r>
+              <a:rPr lang="en-US" b="1" dirty="0">
+                <a:solidFill>
+                  <a:schemeClr val="bg1"/>
+                </a:solidFill>
+              </a:rPr>
+              <a:t>Month</a:t>
+            </a:r>
+          </a:p>
+        </p:txBody>
+      </p:sp>
+      <p:pic>
+        <p:nvPicPr>
+          <p:cNvPr id="10" name="Picture 9">
+            <a:extLst>
+              <a:ext uri="{FF2B5EF4-FFF2-40B4-BE49-F238E27FC236}">
+                <a16:creationId xmlns:a16="http://schemas.microsoft.com/office/drawing/2014/main" id="{B94E3114-EE15-3A45-BEB2-2C1AAFA56C07}"/>
+              </a:ext>
+            </a:extLst>
+          </p:cNvPr>
+          <p:cNvPicPr>
+            <a:picLocks noChangeAspect="1"/>
+          </p:cNvPicPr>
+          <p:nvPr/>
+        </p:nvPicPr>
+        <p:blipFill>
+          <a:blip r:embed="rId2"/>
+          <a:stretch>
+            <a:fillRect/>
+          </a:stretch>
+        </p:blipFill>
+        <p:spPr>
+          <a:xfrm>
+            <a:off x="774700" y="2329213"/>
+            <a:ext cx="5321300" cy="3149600"/>
+          </a:xfrm>
+          <a:prstGeom prst="rect">
+            <a:avLst/>
+          </a:prstGeom>
+          <a:ln>
+            <a:solidFill>
+              <a:schemeClr val="tx1"/>
+            </a:solidFill>
+          </a:ln>
+        </p:spPr>
+      </p:pic>
+      <p:pic>
+        <p:nvPicPr>
+          <p:cNvPr id="13" name="Picture 12">
+            <a:extLst>
+              <a:ext uri="{FF2B5EF4-FFF2-40B4-BE49-F238E27FC236}">
+                <a16:creationId xmlns:a16="http://schemas.microsoft.com/office/drawing/2014/main" id="{66EBA5A6-05F4-AD44-8562-601FE09AC32B}"/>
+              </a:ext>
+            </a:extLst>
+          </p:cNvPr>
+          <p:cNvPicPr>
+            <a:picLocks noChangeAspect="1"/>
+          </p:cNvPicPr>
+          <p:nvPr/>
+        </p:nvPicPr>
+        <p:blipFill>
+          <a:blip r:embed="rId3"/>
+          <a:stretch>
+            <a:fillRect/>
+          </a:stretch>
+        </p:blipFill>
+        <p:spPr>
+          <a:xfrm>
+            <a:off x="6692240" y="2329213"/>
+            <a:ext cx="4572000" cy="3149600"/>
+          </a:xfrm>
+          <a:prstGeom prst="rect">
+            <a:avLst/>
+          </a:prstGeom>
+          <a:ln>
+            <a:solidFill>
+              <a:schemeClr val="tx1"/>
+            </a:solidFill>
+          </a:ln>
+        </p:spPr>
+      </p:pic>
+      <p:sp>
+        <p:nvSpPr>
+          <p:cNvPr id="14" name="TextBox 13">
+            <a:extLst>
+              <a:ext uri="{FF2B5EF4-FFF2-40B4-BE49-F238E27FC236}">
+                <a16:creationId xmlns:a16="http://schemas.microsoft.com/office/drawing/2014/main" id="{FA291CAB-9670-9443-8301-F3FDB999A3BC}"/>
+              </a:ext>
+            </a:extLst>
+          </p:cNvPr>
+          <p:cNvSpPr txBox="1"/>
+          <p:nvPr/>
+        </p:nvSpPr>
+        <p:spPr>
+          <a:xfrm>
+            <a:off x="6692240" y="5748006"/>
+            <a:ext cx="3797299" cy="523220"/>
+          </a:xfrm>
+          <a:prstGeom prst="rect">
+            <a:avLst/>
+          </a:prstGeom>
+          <a:noFill/>
+        </p:spPr>
+        <p:txBody>
+          <a:bodyPr wrap="square" rtlCol="0">
+            <a:spAutoFit/>
+          </a:bodyPr>
+          <a:lstStyle/>
+          <a:p>
+            <a:r>
+              <a:rPr lang="en-US" sz="1400" dirty="0"/>
+              <a:t>January brought in 65% of all revenue as of June 2016</a:t>
+            </a:r>
+          </a:p>
+        </p:txBody>
+      </p:sp>
+      <p:sp>
+        <p:nvSpPr>
+          <p:cNvPr id="15" name="TextBox 14">
+            <a:extLst>
+              <a:ext uri="{FF2B5EF4-FFF2-40B4-BE49-F238E27FC236}">
+                <a16:creationId xmlns:a16="http://schemas.microsoft.com/office/drawing/2014/main" id="{D054B5D0-3F07-1641-B007-EE670DB23621}"/>
+              </a:ext>
+            </a:extLst>
+          </p:cNvPr>
+          <p:cNvSpPr txBox="1"/>
+          <p:nvPr/>
+        </p:nvSpPr>
+        <p:spPr>
+          <a:xfrm>
+            <a:off x="774700" y="5748006"/>
+            <a:ext cx="3797299" cy="307777"/>
+          </a:xfrm>
+          <a:prstGeom prst="rect">
+            <a:avLst/>
+          </a:prstGeom>
+          <a:noFill/>
+        </p:spPr>
+        <p:txBody>
+          <a:bodyPr wrap="square" rtlCol="0">
+            <a:spAutoFit/>
+          </a:bodyPr>
+          <a:lstStyle/>
+          <a:p>
+            <a:r>
+              <a:rPr lang="en-US" sz="1400" dirty="0"/>
+              <a:t>Saturdays brought in 70% of all revenues </a:t>
             </a:r>
           </a:p>
         </p:txBody>
